--- a/images/DXJupyterLab.pptx
+++ b/images/DXJupyterLab.pptx
@@ -197,7 +197,7 @@
           <a:p>
             <a:fld id="{27F03590-4798-4B8B-9A6D-F84FFFDE3B07}" type="datetimeFigureOut">
               <a:rPr kumimoji="1" lang="ja-JP" altLang="en-US" smtClean="0"/>
-              <a:t>2025/5/21</a:t>
+              <a:t>2025/6/4</a:t>
             </a:fld>
             <a:endParaRPr kumimoji="1" lang="ja-JP" altLang="en-US"/>
           </a:p>
@@ -727,7 +727,7 @@
           <a:p>
             <a:fld id="{D075CF86-02A1-4397-A042-50307A6097EA}" type="datetimeFigureOut">
               <a:rPr kumimoji="1" lang="ja-JP" altLang="en-US" smtClean="0"/>
-              <a:t>2025/5/21</a:t>
+              <a:t>2025/6/4</a:t>
             </a:fld>
             <a:endParaRPr kumimoji="1" lang="ja-JP" altLang="en-US"/>
           </a:p>
@@ -957,7 +957,7 @@
           <a:p>
             <a:fld id="{D075CF86-02A1-4397-A042-50307A6097EA}" type="datetimeFigureOut">
               <a:rPr kumimoji="1" lang="ja-JP" altLang="en-US" smtClean="0"/>
-              <a:t>2025/5/21</a:t>
+              <a:t>2025/6/4</a:t>
             </a:fld>
             <a:endParaRPr kumimoji="1" lang="ja-JP" altLang="en-US"/>
           </a:p>
@@ -1197,7 +1197,7 @@
           <a:p>
             <a:fld id="{D075CF86-02A1-4397-A042-50307A6097EA}" type="datetimeFigureOut">
               <a:rPr kumimoji="1" lang="ja-JP" altLang="en-US" smtClean="0"/>
-              <a:t>2025/5/21</a:t>
+              <a:t>2025/6/4</a:t>
             </a:fld>
             <a:endParaRPr kumimoji="1" lang="ja-JP" altLang="en-US"/>
           </a:p>
@@ -1427,7 +1427,7 @@
           <a:p>
             <a:fld id="{D075CF86-02A1-4397-A042-50307A6097EA}" type="datetimeFigureOut">
               <a:rPr kumimoji="1" lang="ja-JP" altLang="en-US" smtClean="0"/>
-              <a:t>2025/5/21</a:t>
+              <a:t>2025/6/4</a:t>
             </a:fld>
             <a:endParaRPr kumimoji="1" lang="ja-JP" altLang="en-US"/>
           </a:p>
@@ -1702,7 +1702,7 @@
           <a:p>
             <a:fld id="{D075CF86-02A1-4397-A042-50307A6097EA}" type="datetimeFigureOut">
               <a:rPr kumimoji="1" lang="ja-JP" altLang="en-US" smtClean="0"/>
-              <a:t>2025/5/21</a:t>
+              <a:t>2025/6/4</a:t>
             </a:fld>
             <a:endParaRPr kumimoji="1" lang="ja-JP" altLang="en-US"/>
           </a:p>
@@ -2031,7 +2031,7 @@
           <a:p>
             <a:fld id="{D075CF86-02A1-4397-A042-50307A6097EA}" type="datetimeFigureOut">
               <a:rPr kumimoji="1" lang="ja-JP" altLang="en-US" smtClean="0"/>
-              <a:t>2025/5/21</a:t>
+              <a:t>2025/6/4</a:t>
             </a:fld>
             <a:endParaRPr kumimoji="1" lang="ja-JP" altLang="en-US"/>
           </a:p>
@@ -2507,7 +2507,7 @@
           <a:p>
             <a:fld id="{D075CF86-02A1-4397-A042-50307A6097EA}" type="datetimeFigureOut">
               <a:rPr kumimoji="1" lang="ja-JP" altLang="en-US" smtClean="0"/>
-              <a:t>2025/5/21</a:t>
+              <a:t>2025/6/4</a:t>
             </a:fld>
             <a:endParaRPr kumimoji="1" lang="ja-JP" altLang="en-US"/>
           </a:p>
@@ -2648,7 +2648,7 @@
           <a:p>
             <a:fld id="{D075CF86-02A1-4397-A042-50307A6097EA}" type="datetimeFigureOut">
               <a:rPr kumimoji="1" lang="ja-JP" altLang="en-US" smtClean="0"/>
-              <a:t>2025/5/21</a:t>
+              <a:t>2025/6/4</a:t>
             </a:fld>
             <a:endParaRPr kumimoji="1" lang="ja-JP" altLang="en-US"/>
           </a:p>
@@ -2761,7 +2761,7 @@
           <a:p>
             <a:fld id="{D075CF86-02A1-4397-A042-50307A6097EA}" type="datetimeFigureOut">
               <a:rPr kumimoji="1" lang="ja-JP" altLang="en-US" smtClean="0"/>
-              <a:t>2025/5/21</a:t>
+              <a:t>2025/6/4</a:t>
             </a:fld>
             <a:endParaRPr kumimoji="1" lang="ja-JP" altLang="en-US"/>
           </a:p>
@@ -3104,7 +3104,7 @@
           <a:p>
             <a:fld id="{D075CF86-02A1-4397-A042-50307A6097EA}" type="datetimeFigureOut">
               <a:rPr kumimoji="1" lang="ja-JP" altLang="en-US" smtClean="0"/>
-              <a:t>2025/5/21</a:t>
+              <a:t>2025/6/4</a:t>
             </a:fld>
             <a:endParaRPr kumimoji="1" lang="ja-JP" altLang="en-US"/>
           </a:p>
@@ -3392,7 +3392,7 @@
           <a:p>
             <a:fld id="{D075CF86-02A1-4397-A042-50307A6097EA}" type="datetimeFigureOut">
               <a:rPr kumimoji="1" lang="ja-JP" altLang="en-US" smtClean="0"/>
-              <a:t>2025/5/21</a:t>
+              <a:t>2025/6/4</a:t>
             </a:fld>
             <a:endParaRPr kumimoji="1" lang="ja-JP" altLang="en-US"/>
           </a:p>
@@ -3665,7 +3665,7 @@
           <a:p>
             <a:fld id="{D075CF86-02A1-4397-A042-50307A6097EA}" type="datetimeFigureOut">
               <a:rPr kumimoji="1" lang="ja-JP" altLang="en-US" smtClean="0"/>
-              <a:t>2025/5/21</a:t>
+              <a:t>2025/6/4</a:t>
             </a:fld>
             <a:endParaRPr kumimoji="1" lang="ja-JP" altLang="en-US"/>
           </a:p>
@@ -4082,541 +4082,713 @@
           <a:chExt cx="0" cy="0"/>
         </a:xfrm>
       </p:grpSpPr>
-      <p:sp>
-        <p:nvSpPr>
-          <p:cNvPr id="2" name="正方形/長方形 1">
-            <a:extLst>
-              <a:ext uri="{FF2B5EF4-FFF2-40B4-BE49-F238E27FC236}">
-                <a16:creationId xmlns:a16="http://schemas.microsoft.com/office/drawing/2014/main" id="{4B0D234E-9068-437E-BE4E-E270D89A2EFB}"/>
-              </a:ext>
-            </a:extLst>
-          </p:cNvPr>
-          <p:cNvSpPr/>
+      <p:grpSp>
+        <p:nvGrpSpPr>
+          <p:cNvPr id="45" name="グループ化 44">
+            <a:extLst>
+              <a:ext uri="{FF2B5EF4-FFF2-40B4-BE49-F238E27FC236}">
+                <a16:creationId xmlns:a16="http://schemas.microsoft.com/office/drawing/2014/main" id="{5EE76E2F-F741-6189-7DA1-68CB359AB934}"/>
+              </a:ext>
+            </a:extLst>
+          </p:cNvPr>
+          <p:cNvGrpSpPr/>
           <p:nvPr/>
-        </p:nvSpPr>
-        <p:spPr>
+        </p:nvGrpSpPr>
+        <p:grpSpPr>
           <a:xfrm>
-            <a:off x="377505" y="1543574"/>
-            <a:ext cx="11316748" cy="4337109"/>
+            <a:off x="98104" y="1562624"/>
+            <a:ext cx="11516045" cy="4337109"/>
+            <a:chOff x="98104" y="1562624"/>
+            <a:chExt cx="11516045" cy="4337109"/>
           </a:xfrm>
-          <a:prstGeom prst="rect">
-            <a:avLst/>
-          </a:prstGeom>
-          <a:ln>
+        </p:grpSpPr>
+        <p:sp>
+          <p:nvSpPr>
+            <p:cNvPr id="2" name="正方形/長方形 1">
+              <a:extLst>
+                <a:ext uri="{FF2B5EF4-FFF2-40B4-BE49-F238E27FC236}">
+                  <a16:creationId xmlns:a16="http://schemas.microsoft.com/office/drawing/2014/main" id="{4B0D234E-9068-437E-BE4E-E270D89A2EFB}"/>
+                </a:ext>
+              </a:extLst>
+            </p:cNvPr>
+            <p:cNvSpPr/>
+            <p:nvPr/>
+          </p:nvSpPr>
+          <p:spPr>
+            <a:xfrm>
+              <a:off x="98104" y="1562624"/>
+              <a:ext cx="11516045" cy="4337109"/>
+            </a:xfrm>
+            <a:prstGeom prst="rect">
+              <a:avLst/>
+            </a:prstGeom>
+            <a:ln>
+              <a:noFill/>
+            </a:ln>
+          </p:spPr>
+          <p:style>
+            <a:lnRef idx="2">
+              <a:schemeClr val="dk1"/>
+            </a:lnRef>
+            <a:fillRef idx="1">
+              <a:schemeClr val="lt1"/>
+            </a:fillRef>
+            <a:effectRef idx="0">
+              <a:schemeClr val="dk1"/>
+            </a:effectRef>
+            <a:fontRef idx="minor">
+              <a:schemeClr val="dk1"/>
+            </a:fontRef>
+          </p:style>
+          <p:txBody>
+            <a:bodyPr rtlCol="0" anchor="ctr"/>
+            <a:lstStyle/>
+            <a:p>
+              <a:pPr algn="ctr"/>
+              <a:endParaRPr kumimoji="1" lang="ja-JP" altLang="en-US"/>
+            </a:p>
+          </p:txBody>
+        </p:sp>
+        <p:sp>
+          <p:nvSpPr>
+            <p:cNvPr id="3" name="正方形/長方形 2">
+              <a:extLst>
+                <a:ext uri="{FF2B5EF4-FFF2-40B4-BE49-F238E27FC236}">
+                  <a16:creationId xmlns:a16="http://schemas.microsoft.com/office/drawing/2014/main" id="{EA71EC10-EC7E-3501-B8D9-9639761BA02D}"/>
+                </a:ext>
+              </a:extLst>
+            </p:cNvPr>
+            <p:cNvSpPr/>
+            <p:nvPr/>
+          </p:nvSpPr>
+          <p:spPr>
+            <a:xfrm>
+              <a:off x="2967138" y="1820411"/>
+              <a:ext cx="5719661" cy="3582099"/>
+            </a:xfrm>
+            <a:prstGeom prst="rect">
+              <a:avLst/>
+            </a:prstGeom>
+          </p:spPr>
+          <p:style>
+            <a:lnRef idx="2">
+              <a:schemeClr val="dk1"/>
+            </a:lnRef>
+            <a:fillRef idx="1">
+              <a:schemeClr val="lt1"/>
+            </a:fillRef>
+            <a:effectRef idx="0">
+              <a:schemeClr val="dk1"/>
+            </a:effectRef>
+            <a:fontRef idx="minor">
+              <a:schemeClr val="dk1"/>
+            </a:fontRef>
+          </p:style>
+          <p:txBody>
+            <a:bodyPr rtlCol="0" anchor="t"/>
+            <a:lstStyle/>
+            <a:p>
+              <a:pPr algn="ctr"/>
+              <a:r>
+                <a:rPr lang="en-US" altLang="ja-JP" sz="3200" dirty="0"/>
+                <a:t>UKB-RAP </a:t>
+              </a:r>
+              <a:r>
+                <a:rPr kumimoji="1" lang="en-US" altLang="ja-JP" sz="3200" dirty="0"/>
+                <a:t>AWS</a:t>
+              </a:r>
+            </a:p>
+          </p:txBody>
+        </p:sp>
+        <p:sp>
+          <p:nvSpPr>
+            <p:cNvPr id="6" name="四角形: 角を丸くする 5">
+              <a:extLst>
+                <a:ext uri="{FF2B5EF4-FFF2-40B4-BE49-F238E27FC236}">
+                  <a16:creationId xmlns:a16="http://schemas.microsoft.com/office/drawing/2014/main" id="{B853B4F3-EB3A-08D1-BA65-BD9F8D0B4198}"/>
+                </a:ext>
+              </a:extLst>
+            </p:cNvPr>
+            <p:cNvSpPr/>
+            <p:nvPr/>
+          </p:nvSpPr>
+          <p:spPr>
+            <a:xfrm>
+              <a:off x="3177256" y="2628900"/>
+              <a:ext cx="2105637" cy="2605830"/>
+            </a:xfrm>
+            <a:prstGeom prst="roundRect">
+              <a:avLst/>
+            </a:prstGeom>
+            <a:solidFill>
+              <a:schemeClr val="dk1">
+                <a:alpha val="50000"/>
+              </a:schemeClr>
+            </a:solidFill>
+            <a:ln>
+              <a:noFill/>
+            </a:ln>
+          </p:spPr>
+          <p:style>
+            <a:lnRef idx="0">
+              <a:scrgbClr r="0" g="0" b="0"/>
+            </a:lnRef>
+            <a:fillRef idx="0">
+              <a:scrgbClr r="0" g="0" b="0"/>
+            </a:fillRef>
+            <a:effectRef idx="0">
+              <a:scrgbClr r="0" g="0" b="0"/>
+            </a:effectRef>
+            <a:fontRef idx="minor">
+              <a:schemeClr val="lt1"/>
+            </a:fontRef>
+          </p:style>
+          <p:txBody>
+            <a:bodyPr rtlCol="0" anchor="t"/>
+            <a:lstStyle/>
+            <a:p>
+              <a:pPr algn="ctr"/>
+              <a:r>
+                <a:rPr kumimoji="1" lang="en-US" altLang="ja-JP" b="1" dirty="0"/>
+                <a:t>DXJupyterLab</a:t>
+              </a:r>
+            </a:p>
+            <a:p>
+              <a:pPr algn="ctr"/>
+              <a:endParaRPr lang="en-US" altLang="ja-JP" dirty="0"/>
+            </a:p>
+            <a:p>
+              <a:pPr algn="ctr"/>
+              <a:r>
+                <a:rPr lang="en-US" altLang="ja-JP" dirty="0"/>
+                <a:t>Docker VM</a:t>
+              </a:r>
+            </a:p>
+            <a:p>
+              <a:pPr algn="ctr"/>
+              <a:endParaRPr kumimoji="1" lang="ja-JP" altLang="en-US" dirty="0"/>
+            </a:p>
+          </p:txBody>
+        </p:sp>
+        <p:sp>
+          <p:nvSpPr>
+            <p:cNvPr id="7" name="四角形: 角を丸くする 6">
+              <a:extLst>
+                <a:ext uri="{FF2B5EF4-FFF2-40B4-BE49-F238E27FC236}">
+                  <a16:creationId xmlns:a16="http://schemas.microsoft.com/office/drawing/2014/main" id="{9E6D6285-98DB-4FF8-7ED5-D9FD0B2629E3}"/>
+                </a:ext>
+              </a:extLst>
+            </p:cNvPr>
+            <p:cNvSpPr/>
+            <p:nvPr/>
+          </p:nvSpPr>
+          <p:spPr>
+            <a:xfrm>
+              <a:off x="3506677" y="3835401"/>
+              <a:ext cx="1493241" cy="1231550"/>
+            </a:xfrm>
+            <a:prstGeom prst="roundRect">
+              <a:avLst/>
+            </a:prstGeom>
+          </p:spPr>
+          <p:style>
+            <a:lnRef idx="2">
+              <a:schemeClr val="dk1">
+                <a:shade val="15000"/>
+              </a:schemeClr>
+            </a:lnRef>
+            <a:fillRef idx="1">
+              <a:schemeClr val="dk1"/>
+            </a:fillRef>
+            <a:effectRef idx="0">
+              <a:schemeClr val="dk1"/>
+            </a:effectRef>
+            <a:fontRef idx="minor">
+              <a:schemeClr val="lt1"/>
+            </a:fontRef>
+          </p:style>
+          <p:txBody>
+            <a:bodyPr rtlCol="0" anchor="ctr"/>
+            <a:lstStyle/>
+            <a:p>
+              <a:pPr algn="ctr"/>
+              <a:r>
+                <a:rPr lang="en-US" altLang="ja-JP" b="1" dirty="0"/>
+                <a:t>Kernel</a:t>
+              </a:r>
+            </a:p>
+            <a:p>
+              <a:pPr algn="ctr"/>
+              <a:r>
+                <a:rPr lang="en-US" altLang="ja-JP" dirty="0"/>
+                <a:t>Python, R</a:t>
+              </a:r>
+            </a:p>
+            <a:p>
+              <a:pPr algn="ctr"/>
+              <a:r>
+                <a:rPr lang="en-US" altLang="ja-JP" dirty="0" err="1"/>
+                <a:t>Freesurfer</a:t>
+              </a:r>
+              <a:endParaRPr lang="en-US" altLang="ja-JP" dirty="0"/>
+            </a:p>
+            <a:p>
+              <a:pPr algn="ctr"/>
+              <a:r>
+                <a:rPr kumimoji="1" lang="en-US" altLang="ja-JP" dirty="0"/>
+                <a:t>etc.</a:t>
+              </a:r>
+              <a:endParaRPr kumimoji="1" lang="ja-JP" altLang="en-US" dirty="0"/>
+            </a:p>
+          </p:txBody>
+        </p:sp>
+        <p:sp>
+          <p:nvSpPr>
+            <p:cNvPr id="12" name="テキスト ボックス 11">
+              <a:extLst>
+                <a:ext uri="{FF2B5EF4-FFF2-40B4-BE49-F238E27FC236}">
+                  <a16:creationId xmlns:a16="http://schemas.microsoft.com/office/drawing/2014/main" id="{A02B2C1B-D53A-01A8-0D7E-1DDCB6DBF847}"/>
+                </a:ext>
+              </a:extLst>
+            </p:cNvPr>
+            <p:cNvSpPr txBox="1"/>
+            <p:nvPr/>
+          </p:nvSpPr>
+          <p:spPr>
+            <a:xfrm>
+              <a:off x="8686799" y="3609668"/>
+              <a:ext cx="944489" cy="369332"/>
+            </a:xfrm>
+            <a:prstGeom prst="rect">
+              <a:avLst/>
+            </a:prstGeom>
             <a:noFill/>
-          </a:ln>
-        </p:spPr>
-        <p:style>
-          <a:lnRef idx="2">
-            <a:schemeClr val="dk1"/>
-          </a:lnRef>
-          <a:fillRef idx="1">
-            <a:schemeClr val="lt1"/>
-          </a:fillRef>
-          <a:effectRef idx="0">
-            <a:schemeClr val="dk1"/>
-          </a:effectRef>
-          <a:fontRef idx="minor">
-            <a:schemeClr val="dk1"/>
-          </a:fontRef>
-        </p:style>
-        <p:txBody>
-          <a:bodyPr rtlCol="0" anchor="ctr"/>
-          <a:lstStyle/>
-          <a:p>
-            <a:pPr algn="ctr"/>
-            <a:endParaRPr kumimoji="1" lang="ja-JP" altLang="en-US"/>
-          </a:p>
-        </p:txBody>
-      </p:sp>
-      <p:sp>
-        <p:nvSpPr>
-          <p:cNvPr id="3" name="正方形/長方形 2">
-            <a:extLst>
-              <a:ext uri="{FF2B5EF4-FFF2-40B4-BE49-F238E27FC236}">
-                <a16:creationId xmlns:a16="http://schemas.microsoft.com/office/drawing/2014/main" id="{EA71EC10-EC7E-3501-B8D9-9639761BA02D}"/>
-              </a:ext>
-            </a:extLst>
-          </p:cNvPr>
-          <p:cNvSpPr/>
-          <p:nvPr/>
-        </p:nvSpPr>
-        <p:spPr>
-          <a:xfrm>
-            <a:off x="3246539" y="1820411"/>
-            <a:ext cx="3825380" cy="3582099"/>
-          </a:xfrm>
-          <a:prstGeom prst="rect">
-            <a:avLst/>
-          </a:prstGeom>
-        </p:spPr>
-        <p:style>
-          <a:lnRef idx="2">
-            <a:schemeClr val="dk1"/>
-          </a:lnRef>
-          <a:fillRef idx="1">
-            <a:schemeClr val="lt1"/>
-          </a:fillRef>
-          <a:effectRef idx="0">
-            <a:schemeClr val="dk1"/>
-          </a:effectRef>
-          <a:fontRef idx="minor">
-            <a:schemeClr val="dk1"/>
-          </a:fontRef>
-        </p:style>
-        <p:txBody>
-          <a:bodyPr rtlCol="0" anchor="t"/>
-          <a:lstStyle/>
-          <a:p>
-            <a:pPr algn="ctr"/>
-            <a:r>
-              <a:rPr lang="en-US" altLang="ja-JP" sz="3200" dirty="0"/>
-              <a:t>UKB-RAP </a:t>
-            </a:r>
-            <a:r>
-              <a:rPr kumimoji="1" lang="en-US" altLang="ja-JP" sz="3200" dirty="0"/>
-              <a:t>AWS</a:t>
-            </a:r>
-          </a:p>
-        </p:txBody>
-      </p:sp>
-      <p:sp>
-        <p:nvSpPr>
-          <p:cNvPr id="4" name="フローチャート: 磁気ディスク 3">
-            <a:extLst>
-              <a:ext uri="{FF2B5EF4-FFF2-40B4-BE49-F238E27FC236}">
-                <a16:creationId xmlns:a16="http://schemas.microsoft.com/office/drawing/2014/main" id="{2608225C-4DC0-F9C3-D5EB-16968D6EF55B}"/>
-              </a:ext>
-            </a:extLst>
-          </p:cNvPr>
-          <p:cNvSpPr/>
-          <p:nvPr/>
-        </p:nvSpPr>
-        <p:spPr>
-          <a:xfrm>
-            <a:off x="727745" y="3212983"/>
-            <a:ext cx="1577130" cy="1652632"/>
-          </a:xfrm>
-          <a:prstGeom prst="flowChartMagneticDisk">
-            <a:avLst/>
-          </a:prstGeom>
-        </p:spPr>
-        <p:style>
-          <a:lnRef idx="2">
-            <a:schemeClr val="dk1"/>
-          </a:lnRef>
-          <a:fillRef idx="1">
-            <a:schemeClr val="lt1"/>
-          </a:fillRef>
-          <a:effectRef idx="0">
-            <a:schemeClr val="dk1"/>
-          </a:effectRef>
-          <a:fontRef idx="minor">
-            <a:schemeClr val="dk1"/>
-          </a:fontRef>
-        </p:style>
-        <p:txBody>
-          <a:bodyPr rtlCol="0" anchor="ctr"/>
-          <a:lstStyle/>
-          <a:p>
-            <a:pPr algn="ctr"/>
-            <a:r>
-              <a:rPr lang="en-US" altLang="ja-JP" dirty="0"/>
-              <a:t>bulk data</a:t>
-            </a:r>
-          </a:p>
-          <a:p>
-            <a:pPr algn="ctr"/>
-            <a:r>
-              <a:rPr kumimoji="1" lang="en-US" altLang="ja-JP" dirty="0"/>
-              <a:t>(MRI etc.)</a:t>
-            </a:r>
-            <a:endParaRPr kumimoji="1" lang="ja-JP" altLang="en-US" dirty="0"/>
-          </a:p>
-        </p:txBody>
-      </p:sp>
-      <p:sp>
-        <p:nvSpPr>
-          <p:cNvPr id="6" name="四角形: 角を丸くする 5">
-            <a:extLst>
-              <a:ext uri="{FF2B5EF4-FFF2-40B4-BE49-F238E27FC236}">
-                <a16:creationId xmlns:a16="http://schemas.microsoft.com/office/drawing/2014/main" id="{B853B4F3-EB3A-08D1-BA65-BD9F8D0B4198}"/>
-              </a:ext>
-            </a:extLst>
-          </p:cNvPr>
-          <p:cNvSpPr/>
-          <p:nvPr/>
-        </p:nvSpPr>
-        <p:spPr>
-          <a:xfrm>
-            <a:off x="4748169" y="2843868"/>
-            <a:ext cx="2105637" cy="2390862"/>
-          </a:xfrm>
-          <a:prstGeom prst="roundRect">
-            <a:avLst/>
-          </a:prstGeom>
-          <a:solidFill>
-            <a:schemeClr val="dk1">
-              <a:alpha val="50000"/>
-            </a:schemeClr>
-          </a:solidFill>
-          <a:ln>
+          </p:spPr>
+          <p:txBody>
+            <a:bodyPr wrap="none" rtlCol="0">
+              <a:spAutoFit/>
+            </a:bodyPr>
+            <a:lstStyle/>
+            <a:p>
+              <a:r>
+                <a:rPr kumimoji="1" lang="en-US" altLang="ja-JP" dirty="0"/>
+                <a:t>HTTPS</a:t>
+              </a:r>
+              <a:endParaRPr kumimoji="1" lang="ja-JP" altLang="en-US" dirty="0"/>
+            </a:p>
+          </p:txBody>
+        </p:sp>
+        <p:cxnSp>
+          <p:nvCxnSpPr>
+            <p:cNvPr id="13" name="直線矢印コネクタ 12">
+              <a:extLst>
+                <a:ext uri="{FF2B5EF4-FFF2-40B4-BE49-F238E27FC236}">
+                  <a16:creationId xmlns:a16="http://schemas.microsoft.com/office/drawing/2014/main" id="{44730242-4646-8768-766C-D1A66DB964DD}"/>
+                </a:ext>
+              </a:extLst>
+            </p:cNvPr>
+            <p:cNvCxnSpPr>
+              <a:cxnSpLocks/>
+            </p:cNvCxnSpPr>
+            <p:nvPr/>
+          </p:nvCxnSpPr>
+          <p:spPr>
+            <a:xfrm flipH="1" flipV="1">
+              <a:off x="5282893" y="3103708"/>
+              <a:ext cx="1045282" cy="505960"/>
+            </a:xfrm>
+            <a:prstGeom prst="straightConnector1">
+              <a:avLst/>
+            </a:prstGeom>
+            <a:ln>
+              <a:tailEnd type="triangle"/>
+            </a:ln>
+          </p:spPr>
+          <p:style>
+            <a:lnRef idx="3">
+              <a:schemeClr val="dk1"/>
+            </a:lnRef>
+            <a:fillRef idx="0">
+              <a:schemeClr val="dk1"/>
+            </a:fillRef>
+            <a:effectRef idx="2">
+              <a:schemeClr val="dk1"/>
+            </a:effectRef>
+            <a:fontRef idx="minor">
+              <a:schemeClr val="tx1"/>
+            </a:fontRef>
+          </p:style>
+        </p:cxnSp>
+        <p:sp>
+          <p:nvSpPr>
+            <p:cNvPr id="16" name="テキスト ボックス 15">
+              <a:extLst>
+                <a:ext uri="{FF2B5EF4-FFF2-40B4-BE49-F238E27FC236}">
+                  <a16:creationId xmlns:a16="http://schemas.microsoft.com/office/drawing/2014/main" id="{DA2FCC17-FC31-C20A-D561-FBA12057BDD3}"/>
+                </a:ext>
+              </a:extLst>
+            </p:cNvPr>
+            <p:cNvSpPr txBox="1"/>
+            <p:nvPr/>
+          </p:nvSpPr>
+          <p:spPr>
+            <a:xfrm>
+              <a:off x="5447887" y="2790149"/>
+              <a:ext cx="1024639" cy="369332"/>
+            </a:xfrm>
+            <a:prstGeom prst="rect">
+              <a:avLst/>
+            </a:prstGeom>
             <a:noFill/>
-          </a:ln>
-        </p:spPr>
-        <p:style>
-          <a:lnRef idx="0">
-            <a:scrgbClr r="0" g="0" b="0"/>
-          </a:lnRef>
-          <a:fillRef idx="0">
-            <a:scrgbClr r="0" g="0" b="0"/>
-          </a:fillRef>
-          <a:effectRef idx="0">
-            <a:scrgbClr r="0" g="0" b="0"/>
-          </a:effectRef>
-          <a:fontRef idx="minor">
-            <a:schemeClr val="lt1"/>
-          </a:fontRef>
-        </p:style>
-        <p:txBody>
-          <a:bodyPr rtlCol="0" anchor="t"/>
-          <a:lstStyle/>
-          <a:p>
-            <a:pPr algn="ctr"/>
-            <a:r>
-              <a:rPr kumimoji="1" lang="en-US" altLang="ja-JP" b="1" dirty="0"/>
-              <a:t>DXJupyterLab</a:t>
-            </a:r>
-          </a:p>
-          <a:p>
-            <a:pPr algn="ctr"/>
-            <a:endParaRPr lang="en-US" altLang="ja-JP" dirty="0"/>
-          </a:p>
-          <a:p>
-            <a:pPr algn="ctr"/>
-            <a:r>
-              <a:rPr lang="en-US" altLang="ja-JP" dirty="0"/>
-              <a:t>Docker VM</a:t>
-            </a:r>
-          </a:p>
-          <a:p>
-            <a:pPr algn="ctr"/>
-            <a:endParaRPr kumimoji="1" lang="ja-JP" altLang="en-US" dirty="0"/>
-          </a:p>
-        </p:txBody>
-      </p:sp>
-      <p:sp>
-        <p:nvSpPr>
-          <p:cNvPr id="7" name="四角形: 角を丸くする 6">
-            <a:extLst>
-              <a:ext uri="{FF2B5EF4-FFF2-40B4-BE49-F238E27FC236}">
-                <a16:creationId xmlns:a16="http://schemas.microsoft.com/office/drawing/2014/main" id="{9E6D6285-98DB-4FF8-7ED5-D9FD0B2629E3}"/>
-              </a:ext>
-            </a:extLst>
-          </p:cNvPr>
-          <p:cNvSpPr/>
-          <p:nvPr/>
-        </p:nvSpPr>
-        <p:spPr>
-          <a:xfrm>
-            <a:off x="5054366" y="3997355"/>
-            <a:ext cx="1493241" cy="1069595"/>
-          </a:xfrm>
-          <a:prstGeom prst="roundRect">
-            <a:avLst/>
-          </a:prstGeom>
-        </p:spPr>
-        <p:style>
-          <a:lnRef idx="2">
-            <a:schemeClr val="dk1">
-              <a:shade val="15000"/>
-            </a:schemeClr>
-          </a:lnRef>
-          <a:fillRef idx="1">
-            <a:schemeClr val="dk1"/>
-          </a:fillRef>
-          <a:effectRef idx="0">
-            <a:schemeClr val="dk1"/>
-          </a:effectRef>
-          <a:fontRef idx="minor">
-            <a:schemeClr val="lt1"/>
-          </a:fontRef>
-        </p:style>
-        <p:txBody>
-          <a:bodyPr rtlCol="0" anchor="ctr"/>
-          <a:lstStyle/>
-          <a:p>
-            <a:pPr algn="ctr"/>
-            <a:r>
-              <a:rPr lang="en-US" altLang="ja-JP" dirty="0"/>
-              <a:t>pandas</a:t>
-            </a:r>
-          </a:p>
-          <a:p>
-            <a:pPr algn="ctr"/>
-            <a:r>
-              <a:rPr lang="en-US" altLang="ja-JP" dirty="0" err="1"/>
-              <a:t>Freesurfer</a:t>
-            </a:r>
-            <a:endParaRPr lang="en-US" altLang="ja-JP" dirty="0"/>
-          </a:p>
-          <a:p>
-            <a:pPr algn="ctr"/>
-            <a:r>
-              <a:rPr kumimoji="1" lang="en-US" altLang="ja-JP" dirty="0"/>
-              <a:t>etc.</a:t>
-            </a:r>
-            <a:endParaRPr kumimoji="1" lang="ja-JP" altLang="en-US" dirty="0"/>
-          </a:p>
-        </p:txBody>
-      </p:sp>
-      <p:sp>
-        <p:nvSpPr>
-          <p:cNvPr id="8" name="フローチャート: データ 7">
-            <a:extLst>
-              <a:ext uri="{FF2B5EF4-FFF2-40B4-BE49-F238E27FC236}">
-                <a16:creationId xmlns:a16="http://schemas.microsoft.com/office/drawing/2014/main" id="{6B249081-3D81-794C-E6E9-03DB45152780}"/>
-              </a:ext>
-            </a:extLst>
-          </p:cNvPr>
-          <p:cNvSpPr/>
-          <p:nvPr/>
-        </p:nvSpPr>
-        <p:spPr>
-          <a:xfrm>
-            <a:off x="9001387" y="3355596"/>
-            <a:ext cx="2298584" cy="1367405"/>
-          </a:xfrm>
-          <a:prstGeom prst="flowChartInputOutput">
-            <a:avLst/>
-          </a:prstGeom>
-        </p:spPr>
-        <p:style>
-          <a:lnRef idx="2">
-            <a:schemeClr val="dk1"/>
-          </a:lnRef>
-          <a:fillRef idx="1">
-            <a:schemeClr val="lt1"/>
-          </a:fillRef>
-          <a:effectRef idx="0">
-            <a:schemeClr val="dk1"/>
-          </a:effectRef>
-          <a:fontRef idx="minor">
-            <a:schemeClr val="dk1"/>
-          </a:fontRef>
-        </p:style>
-        <p:txBody>
-          <a:bodyPr rtlCol="0" anchor="ctr"/>
-          <a:lstStyle/>
-          <a:p>
-            <a:pPr algn="ctr"/>
-            <a:r>
-              <a:rPr kumimoji="1" lang="en-US" altLang="ja-JP" dirty="0"/>
-              <a:t>User browser</a:t>
-            </a:r>
-            <a:endParaRPr kumimoji="1" lang="ja-JP" altLang="en-US" dirty="0"/>
-          </a:p>
-        </p:txBody>
-      </p:sp>
-      <p:cxnSp>
-        <p:nvCxnSpPr>
-          <p:cNvPr id="10" name="直線矢印コネクタ 9">
-            <a:extLst>
-              <a:ext uri="{FF2B5EF4-FFF2-40B4-BE49-F238E27FC236}">
-                <a16:creationId xmlns:a16="http://schemas.microsoft.com/office/drawing/2014/main" id="{4677851A-E329-304E-C07C-BD13DC754B2E}"/>
-              </a:ext>
-            </a:extLst>
-          </p:cNvPr>
-          <p:cNvCxnSpPr>
-            <a:stCxn id="8" idx="2"/>
-            <a:endCxn id="6" idx="3"/>
-          </p:cNvCxnSpPr>
-          <p:nvPr/>
-        </p:nvCxnSpPr>
-        <p:spPr>
-          <a:xfrm flipH="1">
-            <a:off x="6853806" y="4039299"/>
-            <a:ext cx="2377439" cy="0"/>
-          </a:xfrm>
-          <a:prstGeom prst="straightConnector1">
-            <a:avLst/>
-          </a:prstGeom>
-          <a:ln>
-            <a:tailEnd type="triangle"/>
-          </a:ln>
-        </p:spPr>
-        <p:style>
-          <a:lnRef idx="3">
-            <a:schemeClr val="dk1"/>
-          </a:lnRef>
-          <a:fillRef idx="0">
-            <a:schemeClr val="dk1"/>
-          </a:fillRef>
-          <a:effectRef idx="2">
-            <a:schemeClr val="dk1"/>
-          </a:effectRef>
-          <a:fontRef idx="minor">
-            <a:schemeClr val="tx1"/>
-          </a:fontRef>
-        </p:style>
-      </p:cxnSp>
-      <p:sp>
-        <p:nvSpPr>
-          <p:cNvPr id="12" name="テキスト ボックス 11">
-            <a:extLst>
-              <a:ext uri="{FF2B5EF4-FFF2-40B4-BE49-F238E27FC236}">
-                <a16:creationId xmlns:a16="http://schemas.microsoft.com/office/drawing/2014/main" id="{A02B2C1B-D53A-01A8-0D7E-1DDCB6DBF847}"/>
-              </a:ext>
-            </a:extLst>
-          </p:cNvPr>
-          <p:cNvSpPr txBox="1"/>
-          <p:nvPr/>
-        </p:nvSpPr>
-        <p:spPr>
-          <a:xfrm>
-            <a:off x="7532586" y="4129263"/>
-            <a:ext cx="944489" cy="369332"/>
-          </a:xfrm>
-          <a:prstGeom prst="rect">
-            <a:avLst/>
-          </a:prstGeom>
-          <a:noFill/>
-        </p:spPr>
-        <p:txBody>
-          <a:bodyPr wrap="none" rtlCol="0">
-            <a:spAutoFit/>
-          </a:bodyPr>
-          <a:lstStyle/>
-          <a:p>
-            <a:r>
-              <a:rPr kumimoji="1" lang="en-US" altLang="ja-JP" dirty="0"/>
-              <a:t>HTTPS</a:t>
-            </a:r>
-            <a:endParaRPr kumimoji="1" lang="ja-JP" altLang="en-US" dirty="0"/>
-          </a:p>
-        </p:txBody>
-      </p:sp>
-      <p:cxnSp>
-        <p:nvCxnSpPr>
-          <p:cNvPr id="13" name="直線矢印コネクタ 12">
-            <a:extLst>
-              <a:ext uri="{FF2B5EF4-FFF2-40B4-BE49-F238E27FC236}">
-                <a16:creationId xmlns:a16="http://schemas.microsoft.com/office/drawing/2014/main" id="{44730242-4646-8768-766C-D1A66DB964DD}"/>
-              </a:ext>
-            </a:extLst>
-          </p:cNvPr>
-          <p:cNvCxnSpPr>
-            <a:cxnSpLocks/>
-            <a:stCxn id="8" idx="2"/>
-          </p:cNvCxnSpPr>
-          <p:nvPr/>
-        </p:nvCxnSpPr>
-        <p:spPr>
-          <a:xfrm flipH="1" flipV="1">
-            <a:off x="6853806" y="3212983"/>
-            <a:ext cx="2377439" cy="826316"/>
-          </a:xfrm>
-          <a:prstGeom prst="straightConnector1">
-            <a:avLst/>
-          </a:prstGeom>
-          <a:ln>
-            <a:tailEnd type="triangle"/>
-          </a:ln>
-        </p:spPr>
-        <p:style>
-          <a:lnRef idx="3">
-            <a:schemeClr val="dk1"/>
-          </a:lnRef>
-          <a:fillRef idx="0">
-            <a:schemeClr val="dk1"/>
-          </a:fillRef>
-          <a:effectRef idx="2">
-            <a:schemeClr val="dk1"/>
-          </a:effectRef>
-          <a:fontRef idx="minor">
-            <a:schemeClr val="tx1"/>
-          </a:fontRef>
-        </p:style>
-      </p:cxnSp>
-      <p:sp>
-        <p:nvSpPr>
-          <p:cNvPr id="16" name="テキスト ボックス 15">
-            <a:extLst>
-              <a:ext uri="{FF2B5EF4-FFF2-40B4-BE49-F238E27FC236}">
-                <a16:creationId xmlns:a16="http://schemas.microsoft.com/office/drawing/2014/main" id="{DA2FCC17-FC31-C20A-D561-FBA12057BDD3}"/>
-              </a:ext>
-            </a:extLst>
-          </p:cNvPr>
-          <p:cNvSpPr txBox="1"/>
-          <p:nvPr/>
-        </p:nvSpPr>
-        <p:spPr>
-          <a:xfrm>
-            <a:off x="7679337" y="3080533"/>
-            <a:ext cx="1024639" cy="369332"/>
-          </a:xfrm>
-          <a:prstGeom prst="rect">
-            <a:avLst/>
-          </a:prstGeom>
-          <a:noFill/>
-        </p:spPr>
-        <p:txBody>
-          <a:bodyPr wrap="none" rtlCol="0">
-            <a:spAutoFit/>
-          </a:bodyPr>
-          <a:lstStyle/>
-          <a:p>
-            <a:r>
-              <a:rPr kumimoji="1" lang="en-US" altLang="ja-JP" dirty="0"/>
-              <a:t>activate</a:t>
-            </a:r>
-            <a:endParaRPr kumimoji="1" lang="ja-JP" altLang="en-US" dirty="0"/>
-          </a:p>
-        </p:txBody>
-      </p:sp>
-      <p:cxnSp>
-        <p:nvCxnSpPr>
-          <p:cNvPr id="18" name="直線矢印コネクタ 17">
-            <a:extLst>
-              <a:ext uri="{FF2B5EF4-FFF2-40B4-BE49-F238E27FC236}">
-                <a16:creationId xmlns:a16="http://schemas.microsoft.com/office/drawing/2014/main" id="{B93BAF16-0E42-ACC8-1F3D-F4AEEFF5F73D}"/>
-              </a:ext>
-            </a:extLst>
-          </p:cNvPr>
-          <p:cNvCxnSpPr>
-            <a:stCxn id="4" idx="4"/>
-            <a:endCxn id="6" idx="1"/>
-          </p:cNvCxnSpPr>
-          <p:nvPr/>
-        </p:nvCxnSpPr>
-        <p:spPr>
-          <a:xfrm>
-            <a:off x="2304875" y="4039299"/>
-            <a:ext cx="2443294" cy="0"/>
-          </a:xfrm>
-          <a:prstGeom prst="straightConnector1">
-            <a:avLst/>
-          </a:prstGeom>
-          <a:ln>
-            <a:headEnd type="triangle"/>
-            <a:tailEnd type="triangle"/>
-          </a:ln>
-        </p:spPr>
-        <p:style>
-          <a:lnRef idx="3">
-            <a:schemeClr val="dk1"/>
-          </a:lnRef>
-          <a:fillRef idx="0">
-            <a:schemeClr val="dk1"/>
-          </a:fillRef>
-          <a:effectRef idx="2">
-            <a:schemeClr val="dk1"/>
-          </a:effectRef>
-          <a:fontRef idx="minor">
-            <a:schemeClr val="tx1"/>
-          </a:fontRef>
-        </p:style>
-      </p:cxnSp>
+          </p:spPr>
+          <p:txBody>
+            <a:bodyPr wrap="none" rtlCol="0">
+              <a:spAutoFit/>
+            </a:bodyPr>
+            <a:lstStyle/>
+            <a:p>
+              <a:r>
+                <a:rPr kumimoji="1" lang="en-US" altLang="ja-JP" dirty="0"/>
+                <a:t>activate</a:t>
+              </a:r>
+              <a:endParaRPr kumimoji="1" lang="ja-JP" altLang="en-US" dirty="0"/>
+            </a:p>
+          </p:txBody>
+        </p:sp>
+        <p:cxnSp>
+          <p:nvCxnSpPr>
+            <p:cNvPr id="18" name="直線矢印コネクタ 17">
+              <a:extLst>
+                <a:ext uri="{FF2B5EF4-FFF2-40B4-BE49-F238E27FC236}">
+                  <a16:creationId xmlns:a16="http://schemas.microsoft.com/office/drawing/2014/main" id="{B93BAF16-0E42-ACC8-1F3D-F4AEEFF5F73D}"/>
+                </a:ext>
+              </a:extLst>
+            </p:cNvPr>
+            <p:cNvCxnSpPr>
+              <a:cxnSpLocks/>
+              <a:stCxn id="17" idx="3"/>
+              <a:endCxn id="6" idx="1"/>
+            </p:cNvCxnSpPr>
+            <p:nvPr/>
+          </p:nvCxnSpPr>
+          <p:spPr>
+            <a:xfrm>
+              <a:off x="2025475" y="3931815"/>
+              <a:ext cx="1151781" cy="0"/>
+            </a:xfrm>
+            <a:prstGeom prst="straightConnector1">
+              <a:avLst/>
+            </a:prstGeom>
+            <a:ln>
+              <a:headEnd type="triangle"/>
+              <a:tailEnd type="triangle"/>
+            </a:ln>
+          </p:spPr>
+          <p:style>
+            <a:lnRef idx="3">
+              <a:schemeClr val="dk1"/>
+            </a:lnRef>
+            <a:fillRef idx="0">
+              <a:schemeClr val="dk1"/>
+            </a:fillRef>
+            <a:effectRef idx="2">
+              <a:schemeClr val="dk1"/>
+            </a:effectRef>
+            <a:fontRef idx="minor">
+              <a:schemeClr val="tx1"/>
+            </a:fontRef>
+          </p:style>
+        </p:cxnSp>
+        <p:sp>
+          <p:nvSpPr>
+            <p:cNvPr id="11" name="フローチャート: データ 10">
+              <a:extLst>
+                <a:ext uri="{FF2B5EF4-FFF2-40B4-BE49-F238E27FC236}">
+                  <a16:creationId xmlns:a16="http://schemas.microsoft.com/office/drawing/2014/main" id="{B44479F3-BB26-4B05-7CF7-FB5EAC321104}"/>
+                </a:ext>
+              </a:extLst>
+            </p:cNvPr>
+            <p:cNvSpPr/>
+            <p:nvPr/>
+          </p:nvSpPr>
+          <p:spPr>
+            <a:xfrm>
+              <a:off x="9604423" y="3462612"/>
+              <a:ext cx="1775145" cy="938401"/>
+            </a:xfrm>
+            <a:prstGeom prst="flowChartInputOutput">
+              <a:avLst/>
+            </a:prstGeom>
+          </p:spPr>
+          <p:style>
+            <a:lnRef idx="2">
+              <a:schemeClr val="dk1"/>
+            </a:lnRef>
+            <a:fillRef idx="1">
+              <a:schemeClr val="lt1"/>
+            </a:fillRef>
+            <a:effectRef idx="0">
+              <a:schemeClr val="dk1"/>
+            </a:effectRef>
+            <a:fontRef idx="minor">
+              <a:schemeClr val="dk1"/>
+            </a:fontRef>
+          </p:style>
+          <p:txBody>
+            <a:bodyPr rtlCol="0" anchor="ctr"/>
+            <a:lstStyle/>
+            <a:p>
+              <a:pPr algn="ctr"/>
+              <a:r>
+                <a:rPr kumimoji="1" lang="en-US" altLang="ja-JP" dirty="0"/>
+                <a:t>User browser</a:t>
+              </a:r>
+              <a:endParaRPr kumimoji="1" lang="ja-JP" altLang="en-US" dirty="0"/>
+            </a:p>
+          </p:txBody>
+        </p:sp>
+        <p:sp>
+          <p:nvSpPr>
+            <p:cNvPr id="17" name="フローチャート: 複数書類 16">
+              <a:extLst>
+                <a:ext uri="{FF2B5EF4-FFF2-40B4-BE49-F238E27FC236}">
+                  <a16:creationId xmlns:a16="http://schemas.microsoft.com/office/drawing/2014/main" id="{B8E2C091-0A18-F03B-FC9B-2DB073FC40A4}"/>
+                </a:ext>
+              </a:extLst>
+            </p:cNvPr>
+            <p:cNvSpPr/>
+            <p:nvPr/>
+          </p:nvSpPr>
+          <p:spPr>
+            <a:xfrm>
+              <a:off x="272817" y="3191158"/>
+              <a:ext cx="1752658" cy="1481313"/>
+            </a:xfrm>
+            <a:prstGeom prst="flowChartMultidocument">
+              <a:avLst/>
+            </a:prstGeom>
+          </p:spPr>
+          <p:style>
+            <a:lnRef idx="2">
+              <a:schemeClr val="dk1"/>
+            </a:lnRef>
+            <a:fillRef idx="1">
+              <a:schemeClr val="lt1"/>
+            </a:fillRef>
+            <a:effectRef idx="0">
+              <a:schemeClr val="dk1"/>
+            </a:effectRef>
+            <a:fontRef idx="minor">
+              <a:schemeClr val="dk1"/>
+            </a:fontRef>
+          </p:style>
+          <p:txBody>
+            <a:bodyPr rtlCol="0" anchor="ctr"/>
+            <a:lstStyle/>
+            <a:p>
+              <a:pPr algn="ctr"/>
+              <a:r>
+                <a:rPr lang="en-US" altLang="ja-JP" dirty="0"/>
+                <a:t>bulk data</a:t>
+              </a:r>
+            </a:p>
+            <a:p>
+              <a:pPr algn="ctr"/>
+              <a:r>
+                <a:rPr lang="en-US" altLang="ja-JP" dirty="0"/>
+                <a:t>(MRI etc.)</a:t>
+              </a:r>
+              <a:endParaRPr lang="ja-JP" altLang="en-US" dirty="0"/>
+            </a:p>
+          </p:txBody>
+        </p:sp>
+        <p:sp>
+          <p:nvSpPr>
+            <p:cNvPr id="29" name="フローチャート: 内部記憶 28">
+              <a:extLst>
+                <a:ext uri="{FF2B5EF4-FFF2-40B4-BE49-F238E27FC236}">
+                  <a16:creationId xmlns:a16="http://schemas.microsoft.com/office/drawing/2014/main" id="{1F486621-E194-323A-E710-CB7A36CC8219}"/>
+                </a:ext>
+              </a:extLst>
+            </p:cNvPr>
+            <p:cNvSpPr/>
+            <p:nvPr/>
+          </p:nvSpPr>
+          <p:spPr>
+            <a:xfrm>
+              <a:off x="6328175" y="3246585"/>
+              <a:ext cx="1704575" cy="1370457"/>
+            </a:xfrm>
+            <a:prstGeom prst="flowChartInternalStorage">
+              <a:avLst/>
+            </a:prstGeom>
+          </p:spPr>
+          <p:style>
+            <a:lnRef idx="2">
+              <a:schemeClr val="dk1"/>
+            </a:lnRef>
+            <a:fillRef idx="1">
+              <a:schemeClr val="lt1"/>
+            </a:fillRef>
+            <a:effectRef idx="0">
+              <a:schemeClr val="dk1"/>
+            </a:effectRef>
+            <a:fontRef idx="minor">
+              <a:schemeClr val="dk1"/>
+            </a:fontRef>
+          </p:style>
+          <p:txBody>
+            <a:bodyPr rtlCol="0" anchor="ctr"/>
+            <a:lstStyle/>
+            <a:p>
+              <a:pPr algn="ctr"/>
+              <a:r>
+                <a:rPr kumimoji="1" lang="en-US" altLang="ja-JP" dirty="0"/>
+                <a:t>Project</a:t>
+              </a:r>
+            </a:p>
+            <a:p>
+              <a:pPr algn="ctr"/>
+              <a:endParaRPr lang="en-US" altLang="ja-JP" dirty="0"/>
+            </a:p>
+            <a:p>
+              <a:pPr algn="ctr"/>
+              <a:r>
+                <a:rPr kumimoji="1" lang="en-US" altLang="ja-JP" dirty="0"/>
+                <a:t>Cohort TSV</a:t>
+              </a:r>
+            </a:p>
+            <a:p>
+              <a:pPr algn="ctr"/>
+              <a:r>
+                <a:rPr lang="en-US" altLang="ja-JP" dirty="0"/>
+                <a:t>Notebook</a:t>
+              </a:r>
+              <a:endParaRPr kumimoji="1" lang="ja-JP" altLang="en-US" dirty="0"/>
+            </a:p>
+          </p:txBody>
+        </p:sp>
+        <p:sp>
+          <p:nvSpPr>
+            <p:cNvPr id="37" name="テキスト ボックス 36">
+              <a:extLst>
+                <a:ext uri="{FF2B5EF4-FFF2-40B4-BE49-F238E27FC236}">
+                  <a16:creationId xmlns:a16="http://schemas.microsoft.com/office/drawing/2014/main" id="{3F7CF324-366E-7CD7-03D3-4390B4CB5DE6}"/>
+                </a:ext>
+              </a:extLst>
+            </p:cNvPr>
+            <p:cNvSpPr txBox="1"/>
+            <p:nvPr/>
+          </p:nvSpPr>
+          <p:spPr>
+            <a:xfrm>
+              <a:off x="5519031" y="4361545"/>
+              <a:ext cx="615874" cy="369332"/>
+            </a:xfrm>
+            <a:prstGeom prst="rect">
+              <a:avLst/>
+            </a:prstGeom>
+            <a:noFill/>
+          </p:spPr>
+          <p:txBody>
+            <a:bodyPr wrap="none" rtlCol="0">
+              <a:spAutoFit/>
+            </a:bodyPr>
+            <a:lstStyle/>
+            <a:p>
+              <a:r>
+                <a:rPr kumimoji="1" lang="en-US" altLang="ja-JP" dirty="0"/>
+                <a:t>load</a:t>
+              </a:r>
+              <a:endParaRPr kumimoji="1" lang="ja-JP" altLang="en-US" dirty="0"/>
+            </a:p>
+          </p:txBody>
+        </p:sp>
+        <p:cxnSp>
+          <p:nvCxnSpPr>
+            <p:cNvPr id="10" name="直線矢印コネクタ 9">
+              <a:extLst>
+                <a:ext uri="{FF2B5EF4-FFF2-40B4-BE49-F238E27FC236}">
+                  <a16:creationId xmlns:a16="http://schemas.microsoft.com/office/drawing/2014/main" id="{4677851A-E329-304E-C07C-BD13DC754B2E}"/>
+                </a:ext>
+              </a:extLst>
+            </p:cNvPr>
+            <p:cNvCxnSpPr>
+              <a:cxnSpLocks/>
+            </p:cNvCxnSpPr>
+            <p:nvPr/>
+          </p:nvCxnSpPr>
+          <p:spPr>
+            <a:xfrm flipH="1">
+              <a:off x="5053586" y="4361545"/>
+              <a:ext cx="1578283" cy="0"/>
+            </a:xfrm>
+            <a:prstGeom prst="straightConnector1">
+              <a:avLst/>
+            </a:prstGeom>
+            <a:ln>
+              <a:tailEnd type="triangle"/>
+            </a:ln>
+          </p:spPr>
+          <p:style>
+            <a:lnRef idx="3">
+              <a:schemeClr val="dk1"/>
+            </a:lnRef>
+            <a:fillRef idx="0">
+              <a:schemeClr val="dk1"/>
+            </a:fillRef>
+            <a:effectRef idx="2">
+              <a:schemeClr val="dk1"/>
+            </a:effectRef>
+            <a:fontRef idx="minor">
+              <a:schemeClr val="tx1"/>
+            </a:fontRef>
+          </p:style>
+        </p:cxnSp>
+        <p:cxnSp>
+          <p:nvCxnSpPr>
+            <p:cNvPr id="41" name="直線矢印コネクタ 40">
+              <a:extLst>
+                <a:ext uri="{FF2B5EF4-FFF2-40B4-BE49-F238E27FC236}">
+                  <a16:creationId xmlns:a16="http://schemas.microsoft.com/office/drawing/2014/main" id="{23666933-0917-05EF-41B4-2985F0FCB6DB}"/>
+                </a:ext>
+              </a:extLst>
+            </p:cNvPr>
+            <p:cNvCxnSpPr>
+              <a:cxnSpLocks/>
+              <a:stCxn id="11" idx="2"/>
+              <a:endCxn id="29" idx="3"/>
+            </p:cNvCxnSpPr>
+            <p:nvPr/>
+          </p:nvCxnSpPr>
+          <p:spPr>
+            <a:xfrm flipH="1">
+              <a:off x="8032750" y="3931813"/>
+              <a:ext cx="1749188" cy="1"/>
+            </a:xfrm>
+            <a:prstGeom prst="straightConnector1">
+              <a:avLst/>
+            </a:prstGeom>
+            <a:ln>
+              <a:tailEnd type="triangle"/>
+            </a:ln>
+          </p:spPr>
+          <p:style>
+            <a:lnRef idx="3">
+              <a:schemeClr val="dk1"/>
+            </a:lnRef>
+            <a:fillRef idx="0">
+              <a:schemeClr val="dk1"/>
+            </a:fillRef>
+            <a:effectRef idx="2">
+              <a:schemeClr val="dk1"/>
+            </a:effectRef>
+            <a:fontRef idx="minor">
+              <a:schemeClr val="tx1"/>
+            </a:fontRef>
+          </p:style>
+        </p:cxnSp>
+      </p:grpSp>
     </p:spTree>
     <p:extLst>
       <p:ext uri="{BB962C8B-B14F-4D97-AF65-F5344CB8AC3E}">
